--- a/Capstone Project Phase B.pptx
+++ b/Capstone Project Phase B.pptx
@@ -1714,7 +1714,7 @@
   <p:cSld>
     <p:spTree>
       <p:nvGrpSpPr>
-        <p:cNvPr id="123" name="Shape 123"/>
+        <p:cNvPr id="122" name="Shape 122"/>
         <p:cNvGrpSpPr/>
         <p:nvPr/>
       </p:nvGrpSpPr>
@@ -1728,7 +1728,7 @@
       </p:grpSpPr>
       <p:sp>
         <p:nvSpPr>
-          <p:cNvPr id="124" name="Google Shape;124;g2f5f876c8f4_0_26:notes"/>
+          <p:cNvPr id="123" name="Google Shape;123;g2f5f876c8f4_0_26:notes"/>
           <p:cNvSpPr/>
           <p:nvPr>
             <p:ph idx="2" type="sldImg"/>
@@ -1763,7 +1763,7 @@
       </p:sp>
       <p:sp>
         <p:nvSpPr>
-          <p:cNvPr id="125" name="Google Shape;125;g2f5f876c8f4_0_26:notes"/>
+          <p:cNvPr id="124" name="Google Shape;124;g2f5f876c8f4_0_26:notes"/>
           <p:cNvSpPr txBox="1"/>
           <p:nvPr>
             <p:ph idx="1" type="body"/>
@@ -1813,7 +1813,7 @@
   <p:cSld>
     <p:spTree>
       <p:nvGrpSpPr>
-        <p:cNvPr id="131" name="Shape 131"/>
+        <p:cNvPr id="130" name="Shape 130"/>
         <p:cNvGrpSpPr/>
         <p:nvPr/>
       </p:nvGrpSpPr>
@@ -1827,7 +1827,7 @@
       </p:grpSpPr>
       <p:sp>
         <p:nvSpPr>
-          <p:cNvPr id="132" name="Google Shape;132;g2f5f876c8f4_0_31:notes"/>
+          <p:cNvPr id="131" name="Google Shape;131;g2f5f876c8f4_0_31:notes"/>
           <p:cNvSpPr/>
           <p:nvPr>
             <p:ph idx="2" type="sldImg"/>
@@ -1862,7 +1862,7 @@
       </p:sp>
       <p:sp>
         <p:nvSpPr>
-          <p:cNvPr id="133" name="Google Shape;133;g2f5f876c8f4_0_31:notes"/>
+          <p:cNvPr id="132" name="Google Shape;132;g2f5f876c8f4_0_31:notes"/>
           <p:cNvSpPr txBox="1"/>
           <p:nvPr>
             <p:ph idx="1" type="body"/>
@@ -12263,8 +12263,8 @@
         </p:blipFill>
         <p:spPr>
           <a:xfrm>
-            <a:off x="1232550" y="1043275"/>
-            <a:ext cx="6465440" cy="4051675"/>
+            <a:off x="1294600" y="1001725"/>
+            <a:ext cx="6444345" cy="4051676"/>
           </a:xfrm>
           <a:prstGeom prst="rect">
             <a:avLst/>
@@ -19875,6 +19875,9 @@
                     <p:cTn fill="hold">
                       <p:stCondLst>
                         <p:cond delay="indefinite"/>
+                        <p:cond evt="onBegin" delay="0">
+                          <p:tn val="2"/>
+                        </p:cond>
                       </p:stCondLst>
                       <p:childTnLst>
                         <p:par>
@@ -19884,7 +19887,7 @@
                             </p:stCondLst>
                             <p:childTnLst>
                               <p:par>
-                                <p:cTn fill="hold" nodeType="clickEffect" presetClass="entr" presetID="10" presetSubtype="0">
+                                <p:cTn fill="hold" nodeType="withEffect" presetClass="entr" presetID="10" presetSubtype="0">
                                   <p:stCondLst>
                                     <p:cond delay="0"/>
                                   </p:stCondLst>
@@ -20122,7 +20125,7 @@
             <a:avLst/>
           </a:prstGeom>
           <a:solidFill>
-            <a:schemeClr val="lt2"/>
+            <a:srgbClr val="F4E6E6"/>
           </a:solidFill>
           <a:ln cap="flat" cmpd="sng" w="9525">
             <a:solidFill>
@@ -20259,7 +20262,7 @@
                   <a:schemeClr val="dk1"/>
                 </a:solidFill>
               </a:rPr>
-              <a:t>This system aims to simplify the decoration planning process for event organizers by providing a user-friendly platform where users can browse various decoration options, customize their selections, and efficiently place orders</a:t>
+              <a:t>This system aims to simplify the decoration planning process for event organizers by providing a user-friendly platform where users can browse various decoration options, customize their selections, and efficiently place orders.</a:t>
             </a:r>
             <a:endParaRPr b="1" sz="1600">
               <a:solidFill>
@@ -21049,55 +21052,6 @@
       <p:sp>
         <p:nvSpPr>
           <p:cNvPr id="119" name="Google Shape;119;p27"/>
-          <p:cNvSpPr/>
-          <p:nvPr/>
-        </p:nvSpPr>
-        <p:spPr>
-          <a:xfrm>
-            <a:off x="0" y="-27150"/>
-            <a:ext cx="3513000" cy="5143500"/>
-          </a:xfrm>
-          <a:prstGeom prst="rect">
-            <a:avLst/>
-          </a:prstGeom>
-          <a:solidFill>
-            <a:srgbClr val="F4E6E6"/>
-          </a:solidFill>
-          <a:ln cap="flat" cmpd="sng" w="9525">
-            <a:solidFill>
-              <a:srgbClr val="F4E6E6"/>
-            </a:solidFill>
-            <a:prstDash val="solid"/>
-            <a:round/>
-            <a:headEnd len="sm" w="sm" type="none"/>
-            <a:tailEnd len="sm" w="sm" type="none"/>
-          </a:ln>
-        </p:spPr>
-        <p:txBody>
-          <a:bodyPr anchorCtr="0" anchor="ctr" bIns="91425" lIns="91425" spcFirstLastPara="1" rIns="91425" wrap="square" tIns="91425">
-            <a:noAutofit/>
-          </a:bodyPr>
-          <a:lstStyle/>
-          <a:p>
-            <a:pPr indent="0" lvl="0" marL="0" rtl="0" algn="ctr">
-              <a:spcBef>
-                <a:spcPts val="0"/>
-              </a:spcBef>
-              <a:spcAft>
-                <a:spcPts val="0"/>
-              </a:spcAft>
-              <a:buNone/>
-            </a:pPr>
-            <a:r>
-              <a:t/>
-            </a:r>
-            <a:endParaRPr/>
-          </a:p>
-        </p:txBody>
-      </p:sp>
-      <p:sp>
-        <p:nvSpPr>
-          <p:cNvPr id="120" name="Google Shape;120;p27"/>
           <p:cNvSpPr txBox="1"/>
           <p:nvPr>
             <p:ph type="title"/>
@@ -21105,8 +21059,8 @@
         </p:nvSpPr>
         <p:spPr>
           <a:xfrm>
-            <a:off x="1048775" y="376975"/>
-            <a:ext cx="4029000" cy="572700"/>
+            <a:off x="1729200" y="376975"/>
+            <a:ext cx="4886400" cy="695400"/>
           </a:xfrm>
           <a:prstGeom prst="rect">
             <a:avLst/>
@@ -21114,7 +21068,7 @@
         </p:spPr>
         <p:txBody>
           <a:bodyPr anchorCtr="0" anchor="t" bIns="91425" lIns="91425" spcFirstLastPara="1" rIns="91425" wrap="square" tIns="91425">
-            <a:normAutofit fontScale="90000"/>
+            <a:noAutofit/>
           </a:bodyPr>
           <a:lstStyle/>
           <a:p>
@@ -21125,10 +21079,11 @@
               <a:spcAft>
                 <a:spcPts val="0"/>
               </a:spcAft>
+              <a:buSzPts val="990"/>
               <a:buNone/>
             </a:pPr>
             <a:r>
-              <a:rPr lang="iw" sz="5000">
+              <a:rPr lang="iw" sz="4900">
                 <a:solidFill>
                   <a:srgbClr val="CA8A8B"/>
                 </a:solidFill>
@@ -21139,7 +21094,7 @@
               </a:rPr>
               <a:t>The Problem</a:t>
             </a:r>
-            <a:endParaRPr sz="5000">
+            <a:endParaRPr sz="4900">
               <a:solidFill>
                 <a:srgbClr val="CA8A8B"/>
               </a:solidFill>
@@ -21166,13 +21121,13 @@
             <a:r>
               <a:t/>
             </a:r>
-            <a:endParaRPr/>
+            <a:endParaRPr sz="2920"/>
           </a:p>
         </p:txBody>
       </p:sp>
       <p:sp>
         <p:nvSpPr>
-          <p:cNvPr id="121" name="Google Shape;121;p27"/>
+          <p:cNvPr id="120" name="Google Shape;120;p27"/>
           <p:cNvSpPr txBox="1"/>
           <p:nvPr>
             <p:ph idx="1" type="body"/>
@@ -21180,7 +21135,7 @@
         </p:nvSpPr>
         <p:spPr>
           <a:xfrm>
-            <a:off x="1367825" y="1595625"/>
+            <a:off x="1587725" y="1697275"/>
             <a:ext cx="5820600" cy="2546400"/>
           </a:xfrm>
           <a:prstGeom prst="rect">
@@ -21189,7 +21144,7 @@
         </p:spPr>
         <p:txBody>
           <a:bodyPr anchorCtr="0" anchor="t" bIns="91425" lIns="91425" spcFirstLastPara="1" rIns="91425" wrap="square" tIns="91425">
-            <a:normAutofit/>
+            <a:normAutofit lnSpcReduction="20000"/>
           </a:bodyPr>
           <a:lstStyle/>
           <a:p>
@@ -21208,53 +21163,149 @@
               <a:buNone/>
             </a:pPr>
             <a:r>
-              <a:rPr b="1" lang="iw" sz="1600">
+              <a:rPr b="1" lang="iw" sz="1700">
                 <a:solidFill>
                   <a:schemeClr val="dk1"/>
                 </a:solidFill>
               </a:rPr>
-              <a:t>Event planning, especially when it comes to creating an aesthetically pleasing buffet setup, can be a complex and time-consuming task. The need to coordinate various decorative elements, ensure timely delivery, and stay within budget often presents significant challenges to both professional event organizers and individuals planning personal event</a:t>
+              <a:t> </a:t>
             </a:r>
-            <a:r>
-              <a:rPr lang="iw" sz="1600">
-                <a:solidFill>
-                  <a:schemeClr val="dk1"/>
-                </a:solidFill>
-              </a:rPr>
-              <a:t>  </a:t>
-            </a:r>
-            <a:endParaRPr b="1" sz="1600">
+            <a:endParaRPr b="1" sz="1700">
               <a:solidFill>
                 <a:schemeClr val="dk1"/>
               </a:solidFill>
             </a:endParaRPr>
           </a:p>
           <a:p>
-            <a:pPr indent="0" lvl="0" marL="0" rtl="0" algn="l">
+            <a:pPr indent="-336550" lvl="0" marL="457200" rtl="0" algn="l">
               <a:spcBef>
                 <a:spcPts val="1200"/>
               </a:spcBef>
               <a:spcAft>
+                <a:spcPts val="0"/>
+              </a:spcAft>
+              <a:buSzPts val="1700"/>
+              <a:buChar char="●"/>
+            </a:pPr>
+            <a:r>
+              <a:rPr b="1" lang="iw" sz="1700">
+                <a:solidFill>
+                  <a:schemeClr val="dk1"/>
+                </a:solidFill>
+              </a:rPr>
+              <a:t>Customer Struggle with Visualization</a:t>
+            </a:r>
+            <a:endParaRPr b="1" sz="1700">
+              <a:solidFill>
+                <a:schemeClr val="dk1"/>
+              </a:solidFill>
+            </a:endParaRPr>
+          </a:p>
+          <a:p>
+            <a:pPr indent="0" lvl="0" marL="457200" rtl="0" algn="l">
+              <a:spcBef>
                 <a:spcPts val="1200"/>
+              </a:spcBef>
+              <a:spcAft>
+                <a:spcPts val="0"/>
               </a:spcAft>
               <a:buNone/>
             </a:pPr>
             <a:r>
               <a:t/>
             </a:r>
-            <a:endParaRPr sz="1600"/>
+            <a:endParaRPr b="1" sz="1700">
+              <a:solidFill>
+                <a:schemeClr val="dk1"/>
+              </a:solidFill>
+            </a:endParaRPr>
+          </a:p>
+          <a:p>
+            <a:pPr indent="-336550" lvl="0" marL="457200" rtl="0" algn="l">
+              <a:spcBef>
+                <a:spcPts val="1200"/>
+              </a:spcBef>
+              <a:spcAft>
+                <a:spcPts val="0"/>
+              </a:spcAft>
+              <a:buClr>
+                <a:schemeClr val="dk1"/>
+              </a:buClr>
+              <a:buSzPts val="1700"/>
+              <a:buChar char="●"/>
+            </a:pPr>
+            <a:r>
+              <a:rPr b="1" lang="iw" sz="1700">
+                <a:solidFill>
+                  <a:schemeClr val="dk1"/>
+                </a:solidFill>
+              </a:rPr>
+              <a:t>Complex and Time-Consuming Process</a:t>
+            </a:r>
+            <a:endParaRPr b="1" sz="1700">
+              <a:solidFill>
+                <a:schemeClr val="dk1"/>
+              </a:solidFill>
+            </a:endParaRPr>
+          </a:p>
+          <a:p>
+            <a:pPr indent="0" lvl="0" marL="457200" rtl="0" algn="l">
+              <a:spcBef>
+                <a:spcPts val="1200"/>
+              </a:spcBef>
+              <a:spcAft>
+                <a:spcPts val="0"/>
+              </a:spcAft>
+              <a:buNone/>
+            </a:pPr>
+            <a:r>
+              <a:t/>
+            </a:r>
+            <a:endParaRPr b="1" sz="1700">
+              <a:solidFill>
+                <a:schemeClr val="dk1"/>
+              </a:solidFill>
+            </a:endParaRPr>
+          </a:p>
+          <a:p>
+            <a:pPr indent="-336550" lvl="0" marL="457200" rtl="0" algn="l">
+              <a:spcBef>
+                <a:spcPts val="1200"/>
+              </a:spcBef>
+              <a:spcAft>
+                <a:spcPts val="0"/>
+              </a:spcAft>
+              <a:buClr>
+                <a:schemeClr val="dk1"/>
+              </a:buClr>
+              <a:buSzPts val="1700"/>
+              <a:buChar char="●"/>
+            </a:pPr>
+            <a:r>
+              <a:rPr b="1" lang="iw" sz="1700">
+                <a:solidFill>
+                  <a:schemeClr val="dk1"/>
+                </a:solidFill>
+              </a:rPr>
+              <a:t>Challenges in Meeting Expectations</a:t>
+            </a:r>
+            <a:endParaRPr b="1" sz="1700">
+              <a:solidFill>
+                <a:schemeClr val="dk1"/>
+              </a:solidFill>
+            </a:endParaRPr>
           </a:p>
         </p:txBody>
       </p:sp>
       <p:sp>
         <p:nvSpPr>
-          <p:cNvPr descr="e7d195523061f1c0cef09ac28eaae964ec9988a5cce77c8b8C1E4685C6E6B40CD7615480512384A61EE159C6FE0045D14B61E85D0A95589D558B81FFC809322ACC20DC2254D928200A3EA0841B8B1814A949D0E04D40B9AAE09C6C8926E6A284AC22EF0F8E3937099575E5D983132B5B48E4B4A5EC5D65659C6F340790817AB95702EB61B0B328F1" id="122" name="Google Shape;122;p27"/>
+          <p:cNvPr descr="e7d195523061f1c0cef09ac28eaae964ec9988a5cce77c8b8C1E4685C6E6B40CD7615480512384A61EE159C6FE0045D14B61E85D0A95589D558B81FFC809322ACC20DC2254D928200A3EA0841B8B1814A949D0E04D40B9AAE09C6C8926E6A284AC22EF0F8E3937099575E5D983132B5B48E4B4A5EC5D65659C6F340790817AB95702EB61B0B328F1" id="121" name="Google Shape;121;p27"/>
           <p:cNvSpPr/>
           <p:nvPr/>
         </p:nvSpPr>
         <p:spPr>
           <a:xfrm rot="-426914">
-            <a:off x="7266225" y="361497"/>
+            <a:off x="7420525" y="463147"/>
             <a:ext cx="1462725" cy="1147951"/>
           </a:xfrm>
           <a:custGeom>
@@ -21498,7 +21549,7 @@
   <p:cSld>
     <p:spTree>
       <p:nvGrpSpPr>
-        <p:cNvPr id="126" name="Shape 126"/>
+        <p:cNvPr id="125" name="Shape 125"/>
         <p:cNvGrpSpPr/>
         <p:nvPr/>
       </p:nvGrpSpPr>
@@ -21512,69 +21563,20 @@
       </p:grpSpPr>
       <p:sp>
         <p:nvSpPr>
-          <p:cNvPr id="127" name="Google Shape;127;p28"/>
+          <p:cNvPr id="126" name="Google Shape;126;p28"/>
           <p:cNvSpPr/>
           <p:nvPr/>
         </p:nvSpPr>
         <p:spPr>
-          <a:xfrm>
-            <a:off x="0" y="50"/>
-            <a:ext cx="3013800" cy="5143500"/>
+          <a:xfrm flipH="1" rot="10800000">
+            <a:off x="0" y="13500"/>
+            <a:ext cx="3900600" cy="5130000"/>
           </a:xfrm>
           <a:prstGeom prst="rect">
             <a:avLst/>
           </a:prstGeom>
           <a:solidFill>
             <a:srgbClr val="F4E6E6"/>
-          </a:solidFill>
-          <a:ln cap="flat" cmpd="sng" w="9525">
-            <a:solidFill>
-              <a:srgbClr val="F4E6E6"/>
-            </a:solidFill>
-            <a:prstDash val="solid"/>
-            <a:round/>
-            <a:headEnd len="sm" w="sm" type="none"/>
-            <a:tailEnd len="sm" w="sm" type="none"/>
-          </a:ln>
-        </p:spPr>
-        <p:txBody>
-          <a:bodyPr anchorCtr="0" anchor="ctr" bIns="91425" lIns="91425" spcFirstLastPara="1" rIns="91425" wrap="square" tIns="91425">
-            <a:noAutofit/>
-          </a:bodyPr>
-          <a:lstStyle/>
-          <a:p>
-            <a:pPr indent="0" lvl="0" marL="0" rtl="0" algn="ctr">
-              <a:spcBef>
-                <a:spcPts val="0"/>
-              </a:spcBef>
-              <a:spcAft>
-                <a:spcPts val="0"/>
-              </a:spcAft>
-              <a:buNone/>
-            </a:pPr>
-            <a:r>
-              <a:t/>
-            </a:r>
-            <a:endParaRPr/>
-          </a:p>
-        </p:txBody>
-      </p:sp>
-      <p:sp>
-        <p:nvSpPr>
-          <p:cNvPr id="128" name="Google Shape;128;p28"/>
-          <p:cNvSpPr/>
-          <p:nvPr/>
-        </p:nvSpPr>
-        <p:spPr>
-          <a:xfrm flipH="1" rot="10800000">
-            <a:off x="3025325" y="-100"/>
-            <a:ext cx="3900600" cy="5130000"/>
-          </a:xfrm>
-          <a:prstGeom prst="rect">
-            <a:avLst/>
-          </a:prstGeom>
-          <a:solidFill>
-            <a:schemeClr val="lt2"/>
           </a:solidFill>
           <a:ln cap="flat" cmpd="sng" w="9525">
             <a:solidFill>
@@ -21610,7 +21612,7 @@
       </p:sp>
       <p:sp>
         <p:nvSpPr>
-          <p:cNvPr id="129" name="Google Shape;129;p28"/>
+          <p:cNvPr id="127" name="Google Shape;127;p28"/>
           <p:cNvSpPr txBox="1"/>
           <p:nvPr>
             <p:ph type="title"/>
@@ -21618,7 +21620,7 @@
         </p:nvSpPr>
         <p:spPr>
           <a:xfrm>
-            <a:off x="311700" y="172900"/>
+            <a:off x="623400" y="172900"/>
             <a:ext cx="8520600" cy="572700"/>
           </a:xfrm>
           <a:prstGeom prst="rect">
@@ -21670,7 +21672,7 @@
       </p:sp>
       <p:sp>
         <p:nvSpPr>
-          <p:cNvPr id="130" name="Google Shape;130;p28"/>
+          <p:cNvPr id="128" name="Google Shape;128;p28"/>
           <p:cNvSpPr txBox="1"/>
           <p:nvPr>
             <p:ph idx="1" type="body"/>
@@ -21678,8 +21680,8 @@
         </p:nvSpPr>
         <p:spPr>
           <a:xfrm>
-            <a:off x="124725" y="1288550"/>
-            <a:ext cx="8520600" cy="3416400"/>
+            <a:off x="486050" y="1303875"/>
+            <a:ext cx="8159400" cy="3401100"/>
           </a:xfrm>
           <a:prstGeom prst="rect">
             <a:avLst/>
@@ -21687,21 +21689,25 @@
         </p:spPr>
         <p:txBody>
           <a:bodyPr anchorCtr="0" anchor="t" bIns="91425" lIns="91425" spcFirstLastPara="1" rIns="91425" wrap="square" tIns="91425">
-            <a:normAutofit/>
+            <a:noAutofit/>
           </a:bodyPr>
           <a:lstStyle/>
           <a:p>
-            <a:pPr indent="0" lvl="0" marL="0" rtl="0" algn="l">
+            <a:pPr indent="-330200" lvl="0" marL="457200" rtl="0" algn="l">
               <a:spcBef>
                 <a:spcPts val="1200"/>
               </a:spcBef>
               <a:spcAft>
                 <a:spcPts val="0"/>
               </a:spcAft>
-              <a:buNone/>
+              <a:buClr>
+                <a:schemeClr val="dk1"/>
+              </a:buClr>
+              <a:buSzPts val="1600"/>
+              <a:buChar char="●"/>
             </a:pPr>
             <a:r>
-              <a:rPr b="1" lang="iw" sz="1500">
+              <a:rPr b="1" lang="iw" sz="1600">
                 <a:solidFill>
                   <a:schemeClr val="dk1"/>
                 </a:solidFill>
@@ -21709,7 +21715,7 @@
               <a:t>Our Goal is to create a system that makes the </a:t>
             </a:r>
             <a:r>
-              <a:rPr b="1" lang="iw" sz="1500">
+              <a:rPr b="1" lang="iw" sz="1600">
                 <a:solidFill>
                   <a:schemeClr val="dk1"/>
                 </a:solidFill>
@@ -21717,42 +21723,14 @@
               <a:t>process</a:t>
             </a:r>
             <a:r>
-              <a:rPr b="1" lang="iw" sz="1500">
+              <a:rPr b="1" lang="iw" sz="1600">
                 <a:solidFill>
                   <a:schemeClr val="dk1"/>
                 </a:solidFill>
               </a:rPr>
-              <a:t> of ordering a buffet decoration easy and simple</a:t>
+              <a:t> of ordering a buffet decoration easy and simple.</a:t>
             </a:r>
-            <a:endParaRPr b="1" sz="1500">
-              <a:solidFill>
-                <a:schemeClr val="dk1"/>
-              </a:solidFill>
-            </a:endParaRPr>
-          </a:p>
-          <a:p>
-            <a:pPr indent="-323850" lvl="0" marL="457200" rtl="0" algn="l">
-              <a:spcBef>
-                <a:spcPts val="1200"/>
-              </a:spcBef>
-              <a:spcAft>
-                <a:spcPts val="0"/>
-              </a:spcAft>
-              <a:buClr>
-                <a:schemeClr val="dk1"/>
-              </a:buClr>
-              <a:buSzPts val="1500"/>
-              <a:buChar char="●"/>
-            </a:pPr>
-            <a:r>
-              <a:rPr b="1" lang="iw" sz="1500">
-                <a:solidFill>
-                  <a:schemeClr val="dk1"/>
-                </a:solidFill>
-              </a:rPr>
-              <a:t>    The primary goal of the system is to provide users with an intuitive and efficient way to personalize their      buffet setups according to their preferences, event themes, and budget</a:t>
-            </a:r>
-            <a:endParaRPr b="1" sz="1500">
+            <a:endParaRPr b="1" sz="1600">
               <a:solidFill>
                 <a:schemeClr val="dk1"/>
               </a:solidFill>
@@ -21771,14 +21749,14 @@
             <a:r>
               <a:t/>
             </a:r>
-            <a:endParaRPr b="1" sz="1500">
+            <a:endParaRPr b="1" sz="1600">
               <a:solidFill>
                 <a:schemeClr val="dk1"/>
               </a:solidFill>
             </a:endParaRPr>
           </a:p>
           <a:p>
-            <a:pPr indent="-323850" lvl="0" marL="457200" rtl="0" algn="l">
+            <a:pPr indent="-330200" lvl="0" marL="457200" rtl="0" algn="l">
               <a:spcBef>
                 <a:spcPts val="1200"/>
               </a:spcBef>
@@ -21788,18 +21766,583 @@
               <a:buClr>
                 <a:schemeClr val="dk1"/>
               </a:buClr>
-              <a:buSzPts val="1500"/>
+              <a:buSzPts val="1600"/>
               <a:buChar char="●"/>
             </a:pPr>
             <a:r>
-              <a:rPr b="1" lang="iw" sz="1500">
+              <a:rPr b="1" lang="iw" sz="1600">
                 <a:solidFill>
                   <a:schemeClr val="dk1"/>
                 </a:solidFill>
               </a:rPr>
-              <a:t>Simplify the Ordering Process:The system allows users to browse a wide range of decoration options, customize their choices, and place orders seamlessly</a:t>
+              <a:t>The primary goal of the system is to provide users with an intuitive and efficient way to personalize their buffet setups according to their preferences, event themes, and budget.</a:t>
             </a:r>
-            <a:endParaRPr b="1" sz="1900"/>
+            <a:endParaRPr b="1" sz="1600">
+              <a:solidFill>
+                <a:schemeClr val="dk1"/>
+              </a:solidFill>
+            </a:endParaRPr>
+          </a:p>
+          <a:p>
+            <a:pPr indent="0" lvl="0" marL="457200" rtl="0" algn="l">
+              <a:spcBef>
+                <a:spcPts val="1200"/>
+              </a:spcBef>
+              <a:spcAft>
+                <a:spcPts val="0"/>
+              </a:spcAft>
+              <a:buNone/>
+            </a:pPr>
+            <a:r>
+              <a:t/>
+            </a:r>
+            <a:endParaRPr b="1" sz="1600">
+              <a:solidFill>
+                <a:schemeClr val="dk1"/>
+              </a:solidFill>
+            </a:endParaRPr>
+          </a:p>
+          <a:p>
+            <a:pPr indent="-330200" lvl="0" marL="457200" rtl="0" algn="l">
+              <a:spcBef>
+                <a:spcPts val="1200"/>
+              </a:spcBef>
+              <a:spcAft>
+                <a:spcPts val="0"/>
+              </a:spcAft>
+              <a:buClr>
+                <a:schemeClr val="dk1"/>
+              </a:buClr>
+              <a:buSzPts val="1600"/>
+              <a:buChar char="●"/>
+            </a:pPr>
+            <a:r>
+              <a:rPr b="1" lang="iw" sz="1600">
+                <a:solidFill>
+                  <a:schemeClr val="dk1"/>
+                </a:solidFill>
+              </a:rPr>
+              <a:t>Simplify the Ordering Process:The system allows users to browse a wide range of decoration options, customize their choices, and place orders seamlessly.</a:t>
+            </a:r>
+            <a:endParaRPr b="1" sz="2000"/>
+          </a:p>
+        </p:txBody>
+      </p:sp>
+      <p:sp>
+        <p:nvSpPr>
+          <p:cNvPr id="129" name="Google Shape;129;p28"/>
+          <p:cNvSpPr/>
+          <p:nvPr/>
+        </p:nvSpPr>
+        <p:spPr>
+          <a:xfrm>
+            <a:off x="7443936" y="172905"/>
+            <a:ext cx="970295" cy="829089"/>
+          </a:xfrm>
+          <a:custGeom>
+            <a:rect b="b" l="l" r="r" t="t"/>
+            <a:pathLst>
+              <a:path extrusionOk="0" h="843856" w="987578">
+                <a:moveTo>
+                  <a:pt x="858974" y="465771"/>
+                </a:moveTo>
+                <a:lnTo>
+                  <a:pt x="776934" y="451593"/>
+                </a:lnTo>
+                <a:cubicBezTo>
+                  <a:pt x="751737" y="447226"/>
+                  <a:pt x="731445" y="428480"/>
+                  <a:pt x="725264" y="403686"/>
+                </a:cubicBezTo>
+                <a:lnTo>
+                  <a:pt x="717671" y="373450"/>
+                </a:lnTo>
+                <a:cubicBezTo>
+                  <a:pt x="767124" y="333672"/>
+                  <a:pt x="799779" y="266011"/>
+                  <a:pt x="799779" y="189278"/>
+                </a:cubicBezTo>
+                <a:cubicBezTo>
+                  <a:pt x="799779" y="76061"/>
+                  <a:pt x="725600" y="0"/>
+                  <a:pt x="615204" y="0"/>
+                </a:cubicBezTo>
+                <a:cubicBezTo>
+                  <a:pt x="512133" y="0"/>
+                  <a:pt x="441044" y="66520"/>
+                  <a:pt x="431973" y="167441"/>
+                </a:cubicBezTo>
+                <a:cubicBezTo>
+                  <a:pt x="413630" y="162066"/>
+                  <a:pt x="393674" y="159109"/>
+                  <a:pt x="372307" y="159109"/>
+                </a:cubicBezTo>
+                <a:cubicBezTo>
+                  <a:pt x="261912" y="159109"/>
+                  <a:pt x="187733" y="235170"/>
+                  <a:pt x="187733" y="348387"/>
+                </a:cubicBezTo>
+                <a:cubicBezTo>
+                  <a:pt x="187733" y="424985"/>
+                  <a:pt x="220320" y="492580"/>
+                  <a:pt x="269706" y="532425"/>
+                </a:cubicBezTo>
+                <a:lnTo>
+                  <a:pt x="262046" y="562728"/>
+                </a:lnTo>
+                <a:cubicBezTo>
+                  <a:pt x="255798" y="587454"/>
+                  <a:pt x="235506" y="606268"/>
+                  <a:pt x="210376" y="610636"/>
+                </a:cubicBezTo>
+                <a:lnTo>
+                  <a:pt x="111269" y="627769"/>
+                </a:lnTo>
+                <a:cubicBezTo>
+                  <a:pt x="46832" y="638923"/>
+                  <a:pt x="0" y="694423"/>
+                  <a:pt x="0" y="759800"/>
+                </a:cubicBezTo>
+                <a:lnTo>
+                  <a:pt x="0" y="828738"/>
+                </a:lnTo>
+                <a:cubicBezTo>
+                  <a:pt x="0" y="837003"/>
+                  <a:pt x="6719" y="843722"/>
+                  <a:pt x="14984" y="843722"/>
+                </a:cubicBezTo>
+                <a:cubicBezTo>
+                  <a:pt x="23248" y="843722"/>
+                  <a:pt x="29967" y="837003"/>
+                  <a:pt x="29967" y="828738"/>
+                </a:cubicBezTo>
+                <a:lnTo>
+                  <a:pt x="29967" y="759800"/>
+                </a:lnTo>
+                <a:cubicBezTo>
+                  <a:pt x="29967" y="709003"/>
+                  <a:pt x="66318" y="665867"/>
+                  <a:pt x="116376" y="657266"/>
+                </a:cubicBezTo>
+                <a:lnTo>
+                  <a:pt x="202246" y="642417"/>
+                </a:lnTo>
+                <a:lnTo>
+                  <a:pt x="272730" y="745690"/>
+                </a:lnTo>
+                <a:cubicBezTo>
+                  <a:pt x="275149" y="749251"/>
+                  <a:pt x="278978" y="751536"/>
+                  <a:pt x="283211" y="752141"/>
+                </a:cubicBezTo>
+                <a:cubicBezTo>
+                  <a:pt x="283816" y="752207"/>
+                  <a:pt x="284488" y="752275"/>
+                  <a:pt x="285093" y="752275"/>
+                </a:cubicBezTo>
+                <a:cubicBezTo>
+                  <a:pt x="288721" y="752275"/>
+                  <a:pt x="292215" y="750931"/>
+                  <a:pt x="294970" y="748579"/>
+                </a:cubicBezTo>
+                <a:lnTo>
+                  <a:pt x="357458" y="693885"/>
+                </a:lnTo>
+                <a:lnTo>
+                  <a:pt x="357458" y="828806"/>
+                </a:lnTo>
+                <a:cubicBezTo>
+                  <a:pt x="357458" y="837070"/>
+                  <a:pt x="364177" y="843789"/>
+                  <a:pt x="372442" y="843789"/>
+                </a:cubicBezTo>
+                <a:cubicBezTo>
+                  <a:pt x="380706" y="843789"/>
+                  <a:pt x="387425" y="837070"/>
+                  <a:pt x="387425" y="828806"/>
+                </a:cubicBezTo>
+                <a:lnTo>
+                  <a:pt x="387425" y="693885"/>
+                </a:lnTo>
+                <a:lnTo>
+                  <a:pt x="449779" y="748579"/>
+                </a:lnTo>
+                <a:cubicBezTo>
+                  <a:pt x="452467" y="750998"/>
+                  <a:pt x="456028" y="752342"/>
+                  <a:pt x="459656" y="752342"/>
+                </a:cubicBezTo>
+                <a:cubicBezTo>
+                  <a:pt x="460261" y="752342"/>
+                  <a:pt x="460933" y="752275"/>
+                  <a:pt x="461538" y="752207"/>
+                </a:cubicBezTo>
+                <a:cubicBezTo>
+                  <a:pt x="465771" y="751670"/>
+                  <a:pt x="469601" y="749318"/>
+                  <a:pt x="472019" y="745757"/>
+                </a:cubicBezTo>
+                <a:lnTo>
+                  <a:pt x="542503" y="642484"/>
+                </a:lnTo>
+                <a:lnTo>
+                  <a:pt x="628374" y="657333"/>
+                </a:lnTo>
+                <a:cubicBezTo>
+                  <a:pt x="678431" y="666001"/>
+                  <a:pt x="714782" y="709138"/>
+                  <a:pt x="714782" y="759867"/>
+                </a:cubicBezTo>
+                <a:lnTo>
+                  <a:pt x="714782" y="828806"/>
+                </a:lnTo>
+                <a:cubicBezTo>
+                  <a:pt x="714782" y="837070"/>
+                  <a:pt x="721501" y="843789"/>
+                  <a:pt x="729698" y="843789"/>
+                </a:cubicBezTo>
+                <a:cubicBezTo>
+                  <a:pt x="737963" y="843789"/>
+                  <a:pt x="744682" y="837070"/>
+                  <a:pt x="744682" y="828806"/>
+                </a:cubicBezTo>
+                <a:lnTo>
+                  <a:pt x="744682" y="759867"/>
+                </a:lnTo>
+                <a:cubicBezTo>
+                  <a:pt x="744682" y="694490"/>
+                  <a:pt x="697917" y="638923"/>
+                  <a:pt x="633480" y="627836"/>
+                </a:cubicBezTo>
+                <a:lnTo>
+                  <a:pt x="630390" y="627299"/>
+                </a:lnTo>
+                <a:lnTo>
+                  <a:pt x="630390" y="568910"/>
+                </a:lnTo>
+                <a:lnTo>
+                  <a:pt x="751334" y="474707"/>
+                </a:lnTo>
+                <a:cubicBezTo>
+                  <a:pt x="757986" y="477529"/>
+                  <a:pt x="764839" y="479814"/>
+                  <a:pt x="772163" y="481090"/>
+                </a:cubicBezTo>
+                <a:lnTo>
+                  <a:pt x="854204" y="495268"/>
+                </a:lnTo>
+                <a:cubicBezTo>
+                  <a:pt x="914139" y="505615"/>
+                  <a:pt x="957679" y="557286"/>
+                  <a:pt x="957679" y="618094"/>
+                </a:cubicBezTo>
+                <a:lnTo>
+                  <a:pt x="957679" y="828873"/>
+                </a:lnTo>
+                <a:cubicBezTo>
+                  <a:pt x="957679" y="837137"/>
+                  <a:pt x="964398" y="843857"/>
+                  <a:pt x="972662" y="843857"/>
+                </a:cubicBezTo>
+                <a:cubicBezTo>
+                  <a:pt x="980927" y="843857"/>
+                  <a:pt x="987579" y="837137"/>
+                  <a:pt x="987579" y="828873"/>
+                </a:cubicBezTo>
+                <a:lnTo>
+                  <a:pt x="987579" y="618094"/>
+                </a:lnTo>
+                <a:cubicBezTo>
+                  <a:pt x="987176" y="542638"/>
+                  <a:pt x="933221" y="478604"/>
+                  <a:pt x="858974" y="465771"/>
+                </a:cubicBezTo>
+                <a:close/>
+                <a:moveTo>
+                  <a:pt x="615070" y="30035"/>
+                </a:moveTo>
+                <a:cubicBezTo>
+                  <a:pt x="687771" y="30035"/>
+                  <a:pt x="740382" y="67595"/>
+                  <a:pt x="760607" y="129343"/>
+                </a:cubicBezTo>
+                <a:cubicBezTo>
+                  <a:pt x="646717" y="172346"/>
+                  <a:pt x="528124" y="110328"/>
+                  <a:pt x="490766" y="87618"/>
+                </a:cubicBezTo>
+                <a:cubicBezTo>
+                  <a:pt x="517508" y="51133"/>
+                  <a:pt x="560645" y="30035"/>
+                  <a:pt x="615070" y="30035"/>
+                </a:cubicBezTo>
+                <a:close/>
+                <a:moveTo>
+                  <a:pt x="475648" y="113554"/>
+                </a:moveTo>
+                <a:cubicBezTo>
+                  <a:pt x="507093" y="132905"/>
+                  <a:pt x="585573" y="174765"/>
+                  <a:pt x="676281" y="174765"/>
+                </a:cubicBezTo>
+                <a:cubicBezTo>
+                  <a:pt x="705845" y="174765"/>
+                  <a:pt x="736619" y="169927"/>
+                  <a:pt x="767460" y="158773"/>
+                </a:cubicBezTo>
+                <a:cubicBezTo>
+                  <a:pt x="768938" y="168583"/>
+                  <a:pt x="769744" y="178729"/>
+                  <a:pt x="769744" y="189413"/>
+                </a:cubicBezTo>
+                <a:cubicBezTo>
+                  <a:pt x="769744" y="295105"/>
+                  <a:pt x="700336" y="381042"/>
+                  <a:pt x="615070" y="381042"/>
+                </a:cubicBezTo>
+                <a:cubicBezTo>
+                  <a:pt x="594039" y="381042"/>
+                  <a:pt x="574150" y="375600"/>
+                  <a:pt x="555874" y="366126"/>
+                </a:cubicBezTo>
+                <a:cubicBezTo>
+                  <a:pt x="556277" y="360280"/>
+                  <a:pt x="556815" y="354502"/>
+                  <a:pt x="556815" y="348522"/>
+                </a:cubicBezTo>
+                <a:cubicBezTo>
+                  <a:pt x="556815" y="269370"/>
+                  <a:pt x="520531" y="208495"/>
+                  <a:pt x="461000" y="178998"/>
+                </a:cubicBezTo>
+                <a:cubicBezTo>
+                  <a:pt x="462142" y="154675"/>
+                  <a:pt x="467047" y="132636"/>
+                  <a:pt x="475648" y="113554"/>
+                </a:cubicBezTo>
+                <a:close/>
+                <a:moveTo>
+                  <a:pt x="217566" y="348522"/>
+                </a:moveTo>
+                <a:cubicBezTo>
+                  <a:pt x="217566" y="324467"/>
+                  <a:pt x="221328" y="302563"/>
+                  <a:pt x="228383" y="283212"/>
+                </a:cubicBezTo>
+                <a:cubicBezTo>
+                  <a:pt x="250355" y="295172"/>
+                  <a:pt x="294500" y="313582"/>
+                  <a:pt x="359004" y="313582"/>
+                </a:cubicBezTo>
+                <a:cubicBezTo>
+                  <a:pt x="392196" y="313582"/>
+                  <a:pt x="430629" y="308744"/>
+                  <a:pt x="474035" y="295441"/>
+                </a:cubicBezTo>
+                <a:cubicBezTo>
+                  <a:pt x="481964" y="293022"/>
+                  <a:pt x="486399" y="284690"/>
+                  <a:pt x="483979" y="276829"/>
+                </a:cubicBezTo>
+                <a:cubicBezTo>
+                  <a:pt x="481561" y="268900"/>
+                  <a:pt x="473229" y="264533"/>
+                  <a:pt x="465300" y="266884"/>
+                </a:cubicBezTo>
+                <a:cubicBezTo>
+                  <a:pt x="345431" y="303369"/>
+                  <a:pt x="268564" y="271520"/>
+                  <a:pt x="241351" y="256335"/>
+                </a:cubicBezTo>
+                <a:cubicBezTo>
+                  <a:pt x="267354" y="213937"/>
+                  <a:pt x="313179" y="189211"/>
+                  <a:pt x="372240" y="189211"/>
+                </a:cubicBezTo>
+                <a:cubicBezTo>
+                  <a:pt x="466174" y="189211"/>
+                  <a:pt x="526915" y="251766"/>
+                  <a:pt x="526915" y="348589"/>
+                </a:cubicBezTo>
+                <a:cubicBezTo>
+                  <a:pt x="526915" y="454214"/>
+                  <a:pt x="457506" y="540219"/>
+                  <a:pt x="372240" y="540219"/>
+                </a:cubicBezTo>
+                <a:cubicBezTo>
+                  <a:pt x="286907" y="540084"/>
+                  <a:pt x="217566" y="454147"/>
+                  <a:pt x="217566" y="348522"/>
+                </a:cubicBezTo>
+                <a:close/>
+                <a:moveTo>
+                  <a:pt x="287780" y="714916"/>
+                </a:moveTo>
+                <a:lnTo>
+                  <a:pt x="233288" y="635026"/>
+                </a:lnTo>
+                <a:cubicBezTo>
+                  <a:pt x="247197" y="629583"/>
+                  <a:pt x="259628" y="621050"/>
+                  <a:pt x="269505" y="610098"/>
+                </a:cubicBezTo>
+                <a:lnTo>
+                  <a:pt x="347783" y="662507"/>
+                </a:lnTo>
+                <a:lnTo>
+                  <a:pt x="287780" y="714916"/>
+                </a:lnTo>
+                <a:close/>
+                <a:moveTo>
+                  <a:pt x="372240" y="642887"/>
+                </a:moveTo>
+                <a:lnTo>
+                  <a:pt x="285765" y="585036"/>
+                </a:lnTo>
+                <a:cubicBezTo>
+                  <a:pt x="287848" y="580265"/>
+                  <a:pt x="289729" y="575293"/>
+                  <a:pt x="291006" y="570119"/>
+                </a:cubicBezTo>
+                <a:lnTo>
+                  <a:pt x="296045" y="550029"/>
+                </a:lnTo>
+                <a:cubicBezTo>
+                  <a:pt x="319293" y="562795"/>
+                  <a:pt x="345028" y="570052"/>
+                  <a:pt x="372240" y="570052"/>
+                </a:cubicBezTo>
+                <a:cubicBezTo>
+                  <a:pt x="399386" y="570052"/>
+                  <a:pt x="425053" y="562795"/>
+                  <a:pt x="448301" y="550096"/>
+                </a:cubicBezTo>
+                <a:lnTo>
+                  <a:pt x="453340" y="570119"/>
+                </a:lnTo>
+                <a:cubicBezTo>
+                  <a:pt x="454617" y="575293"/>
+                  <a:pt x="456498" y="580265"/>
+                  <a:pt x="458581" y="585036"/>
+                </a:cubicBezTo>
+                <a:lnTo>
+                  <a:pt x="372240" y="642887"/>
+                </a:lnTo>
+                <a:close/>
+                <a:moveTo>
+                  <a:pt x="456498" y="714916"/>
+                </a:moveTo>
+                <a:lnTo>
+                  <a:pt x="396698" y="662440"/>
+                </a:lnTo>
+                <a:lnTo>
+                  <a:pt x="474841" y="610031"/>
+                </a:lnTo>
+                <a:cubicBezTo>
+                  <a:pt x="484719" y="620983"/>
+                  <a:pt x="497082" y="629516"/>
+                  <a:pt x="511058" y="634959"/>
+                </a:cubicBezTo>
+                <a:lnTo>
+                  <a:pt x="456498" y="714916"/>
+                </a:lnTo>
+                <a:close/>
+                <a:moveTo>
+                  <a:pt x="533970" y="610702"/>
+                </a:moveTo>
+                <a:cubicBezTo>
+                  <a:pt x="508840" y="606335"/>
+                  <a:pt x="488548" y="587589"/>
+                  <a:pt x="482300" y="562795"/>
+                </a:cubicBezTo>
+                <a:lnTo>
+                  <a:pt x="474707" y="532559"/>
+                </a:lnTo>
+                <a:cubicBezTo>
+                  <a:pt x="487138" y="522547"/>
+                  <a:pt x="498358" y="510654"/>
+                  <a:pt x="508370" y="497418"/>
+                </a:cubicBezTo>
+                <a:lnTo>
+                  <a:pt x="600153" y="568910"/>
+                </a:lnTo>
+                <a:lnTo>
+                  <a:pt x="600153" y="622125"/>
+                </a:lnTo>
+                <a:lnTo>
+                  <a:pt x="533970" y="610702"/>
+                </a:lnTo>
+                <a:close/>
+                <a:moveTo>
+                  <a:pt x="615070" y="542638"/>
+                </a:moveTo>
+                <a:lnTo>
+                  <a:pt x="524899" y="472356"/>
+                </a:lnTo>
+                <a:cubicBezTo>
+                  <a:pt x="537531" y="449914"/>
+                  <a:pt x="546871" y="424582"/>
+                  <a:pt x="552044" y="397303"/>
+                </a:cubicBezTo>
+                <a:cubicBezTo>
+                  <a:pt x="571731" y="405970"/>
+                  <a:pt x="592897" y="410943"/>
+                  <a:pt x="615137" y="410943"/>
+                </a:cubicBezTo>
+                <a:cubicBezTo>
+                  <a:pt x="642282" y="410943"/>
+                  <a:pt x="667949" y="403686"/>
+                  <a:pt x="691198" y="391054"/>
+                </a:cubicBezTo>
+                <a:lnTo>
+                  <a:pt x="696237" y="411077"/>
+                </a:lnTo>
+                <a:cubicBezTo>
+                  <a:pt x="700873" y="429420"/>
+                  <a:pt x="710817" y="445479"/>
+                  <a:pt x="724188" y="457708"/>
+                </a:cubicBezTo>
+                <a:lnTo>
+                  <a:pt x="615070" y="542638"/>
+                </a:lnTo>
+                <a:close/>
+              </a:path>
+            </a:pathLst>
+          </a:custGeom>
+          <a:solidFill>
+            <a:srgbClr val="CA8A8B"/>
+          </a:solidFill>
+          <a:ln>
+            <a:noFill/>
+          </a:ln>
+        </p:spPr>
+        <p:txBody>
+          <a:bodyPr anchorCtr="0" anchor="ctr" bIns="45700" lIns="91425" spcFirstLastPara="1" rIns="91425" wrap="square" tIns="45700">
+            <a:noAutofit/>
+          </a:bodyPr>
+          <a:lstStyle/>
+          <a:p>
+            <a:pPr indent="0" lvl="0" marL="0" marR="0" rtl="0" algn="l">
+              <a:spcBef>
+                <a:spcPts val="0"/>
+              </a:spcBef>
+              <a:spcAft>
+                <a:spcPts val="0"/>
+              </a:spcAft>
+              <a:buNone/>
+            </a:pPr>
+            <a:r>
+              <a:t/>
+            </a:r>
+            <a:endParaRPr sz="1200">
+              <a:solidFill>
+                <a:srgbClr val="000000"/>
+              </a:solidFill>
+              <a:latin typeface="Outfit Light"/>
+              <a:ea typeface="Outfit Light"/>
+              <a:cs typeface="Outfit Light"/>
+              <a:sym typeface="Outfit Light"/>
+            </a:endParaRPr>
           </a:p>
         </p:txBody>
       </p:sp>
@@ -21823,7 +22366,7 @@
     </p:bg>
     <p:spTree>
       <p:nvGrpSpPr>
-        <p:cNvPr id="134" name="Shape 134"/>
+        <p:cNvPr id="133" name="Shape 133"/>
         <p:cNvGrpSpPr/>
         <p:nvPr/>
       </p:nvGrpSpPr>
@@ -21837,7 +22380,7 @@
       </p:grpSpPr>
       <p:sp>
         <p:nvSpPr>
-          <p:cNvPr id="135" name="Google Shape;135;p29"/>
+          <p:cNvPr id="134" name="Google Shape;134;p29"/>
           <p:cNvSpPr txBox="1"/>
           <p:nvPr>
             <p:ph type="title"/>
@@ -21897,7 +22440,7 @@
       </p:sp>
       <p:sp>
         <p:nvSpPr>
-          <p:cNvPr id="136" name="Google Shape;136;p29"/>
+          <p:cNvPr id="135" name="Google Shape;135;p29"/>
           <p:cNvSpPr txBox="1"/>
           <p:nvPr>
             <p:ph idx="1" type="body"/>
@@ -21906,7 +22449,7 @@
         <p:spPr>
           <a:xfrm>
             <a:off x="980725" y="1583350"/>
-            <a:ext cx="6875100" cy="1664100"/>
+            <a:ext cx="6875100" cy="3089400"/>
           </a:xfrm>
           <a:prstGeom prst="rect">
             <a:avLst/>
@@ -21918,14 +22461,18 @@
           </a:bodyPr>
           <a:lstStyle/>
           <a:p>
-            <a:pPr indent="0" lvl="0" marL="0" rtl="0" algn="l">
-              <a:spcBef>
-                <a:spcPts val="0"/>
-              </a:spcBef>
-              <a:spcAft>
+            <a:pPr indent="-330200" lvl="0" marL="457200" rtl="0" algn="l">
+              <a:spcBef>
                 <a:spcPts val="1200"/>
-              </a:spcAft>
-              <a:buNone/>
+              </a:spcBef>
+              <a:spcAft>
+                <a:spcPts val="0"/>
+              </a:spcAft>
+              <a:buClr>
+                <a:srgbClr val="223A50"/>
+              </a:buClr>
+              <a:buSzPts val="1600"/>
+              <a:buChar char="●"/>
             </a:pPr>
             <a:r>
               <a:rPr b="1" lang="iw" sz="1600">
@@ -21933,9 +22480,927 @@
                   <a:srgbClr val="223A50"/>
                 </a:solidFill>
               </a:rPr>
-              <a:t>Our web Buffet Decoration platform offers preferences and security measures enabling effortless ordering. Manage group interactions, send scheduled messaging, and access comprehensive notification history. Join us for seamless digital connectivity and enhanced communication</a:t>
+              <a:t>Our web Buffet Decoration platform offers user friendly interface enabling effortless ordering and customize buffet decoration. </a:t>
             </a:r>
-            <a:endParaRPr sz="1600"/>
+            <a:endParaRPr b="1" sz="1600">
+              <a:solidFill>
+                <a:srgbClr val="223A50"/>
+              </a:solidFill>
+            </a:endParaRPr>
+          </a:p>
+          <a:p>
+            <a:pPr indent="0" lvl="0" marL="457200" rtl="0" algn="l">
+              <a:spcBef>
+                <a:spcPts val="1200"/>
+              </a:spcBef>
+              <a:spcAft>
+                <a:spcPts val="0"/>
+              </a:spcAft>
+              <a:buNone/>
+            </a:pPr>
+            <a:r>
+              <a:t/>
+            </a:r>
+            <a:endParaRPr b="1" sz="1600">
+              <a:solidFill>
+                <a:srgbClr val="223A50"/>
+              </a:solidFill>
+            </a:endParaRPr>
+          </a:p>
+          <a:p>
+            <a:pPr indent="0" lvl="0" marL="457200" rtl="0" algn="l">
+              <a:spcBef>
+                <a:spcPts val="1200"/>
+              </a:spcBef>
+              <a:spcAft>
+                <a:spcPts val="0"/>
+              </a:spcAft>
+              <a:buNone/>
+            </a:pPr>
+            <a:r>
+              <a:t/>
+            </a:r>
+            <a:endParaRPr b="1" sz="1600">
+              <a:solidFill>
+                <a:srgbClr val="223A50"/>
+              </a:solidFill>
+            </a:endParaRPr>
+          </a:p>
+          <a:p>
+            <a:pPr indent="-330200" lvl="0" marL="457200" rtl="0" algn="l">
+              <a:spcBef>
+                <a:spcPts val="1200"/>
+              </a:spcBef>
+              <a:spcAft>
+                <a:spcPts val="0"/>
+              </a:spcAft>
+              <a:buClr>
+                <a:srgbClr val="223A50"/>
+              </a:buClr>
+              <a:buSzPts val="1600"/>
+              <a:buChar char="●"/>
+            </a:pPr>
+            <a:r>
+              <a:rPr b="1" lang="iw" sz="1600">
+                <a:solidFill>
+                  <a:srgbClr val="223A50"/>
+                </a:solidFill>
+              </a:rPr>
+              <a:t>The platform provides a visualization tool that allows users to visualize their decoration.</a:t>
+            </a:r>
+            <a:endParaRPr b="1" sz="1600">
+              <a:solidFill>
+                <a:srgbClr val="223A50"/>
+              </a:solidFill>
+            </a:endParaRPr>
+          </a:p>
+          <a:p>
+            <a:pPr indent="0" lvl="0" marL="457200" rtl="0" algn="l">
+              <a:spcBef>
+                <a:spcPts val="1200"/>
+              </a:spcBef>
+              <a:spcAft>
+                <a:spcPts val="1200"/>
+              </a:spcAft>
+              <a:buNone/>
+            </a:pPr>
+            <a:r>
+              <a:t/>
+            </a:r>
+            <a:endParaRPr b="1" sz="1600">
+              <a:solidFill>
+                <a:srgbClr val="223A50"/>
+              </a:solidFill>
+            </a:endParaRPr>
+          </a:p>
+        </p:txBody>
+      </p:sp>
+      <p:sp>
+        <p:nvSpPr>
+          <p:cNvPr descr="e7d195523061f1c0cef09ac28eaae964ec9988a5cce77c8b8C1E4685C6E6B40CD7615480512384A61EE159C6FE0045D14B61E85D0A95589D558B81FFC809322ACC20DC2254D928200A3EA0841B8B1814A949D0E04D40B9AAE09C6C8926E6A284AC22EF0F8E3937099575E5D983132B5B48E4B4A5EC5D65659C6F340790817AB95702EB61B0B328F1" id="136" name="Google Shape;136;p29"/>
+          <p:cNvSpPr/>
+          <p:nvPr/>
+        </p:nvSpPr>
+        <p:spPr>
+          <a:xfrm>
+            <a:off x="7366079" y="335332"/>
+            <a:ext cx="976676" cy="1248024"/>
+          </a:xfrm>
+          <a:custGeom>
+            <a:rect b="b" l="l" r="r" t="t"/>
+            <a:pathLst>
+              <a:path extrusionOk="0" h="738" w="605">
+                <a:moveTo>
+                  <a:pt x="34" y="605"/>
+                </a:moveTo>
+                <a:lnTo>
+                  <a:pt x="34" y="706"/>
+                </a:lnTo>
+                <a:lnTo>
+                  <a:pt x="135" y="706"/>
+                </a:lnTo>
+                <a:lnTo>
+                  <a:pt x="34" y="605"/>
+                </a:lnTo>
+                <a:close/>
+                <a:moveTo>
+                  <a:pt x="101" y="470"/>
+                </a:moveTo>
+                <a:lnTo>
+                  <a:pt x="403" y="470"/>
+                </a:lnTo>
+                <a:lnTo>
+                  <a:pt x="408" y="471"/>
+                </a:lnTo>
+                <a:lnTo>
+                  <a:pt x="413" y="474"/>
+                </a:lnTo>
+                <a:lnTo>
+                  <a:pt x="416" y="476"/>
+                </a:lnTo>
+                <a:lnTo>
+                  <a:pt x="419" y="482"/>
+                </a:lnTo>
+                <a:lnTo>
+                  <a:pt x="420" y="487"/>
+                </a:lnTo>
+                <a:lnTo>
+                  <a:pt x="419" y="492"/>
+                </a:lnTo>
+                <a:lnTo>
+                  <a:pt x="416" y="497"/>
+                </a:lnTo>
+                <a:lnTo>
+                  <a:pt x="413" y="500"/>
+                </a:lnTo>
+                <a:lnTo>
+                  <a:pt x="408" y="503"/>
+                </a:lnTo>
+                <a:lnTo>
+                  <a:pt x="403" y="504"/>
+                </a:lnTo>
+                <a:lnTo>
+                  <a:pt x="101" y="504"/>
+                </a:lnTo>
+                <a:lnTo>
+                  <a:pt x="95" y="503"/>
+                </a:lnTo>
+                <a:lnTo>
+                  <a:pt x="91" y="500"/>
+                </a:lnTo>
+                <a:lnTo>
+                  <a:pt x="87" y="497"/>
+                </a:lnTo>
+                <a:lnTo>
+                  <a:pt x="85" y="492"/>
+                </a:lnTo>
+                <a:lnTo>
+                  <a:pt x="83" y="487"/>
+                </a:lnTo>
+                <a:lnTo>
+                  <a:pt x="85" y="482"/>
+                </a:lnTo>
+                <a:lnTo>
+                  <a:pt x="87" y="476"/>
+                </a:lnTo>
+                <a:lnTo>
+                  <a:pt x="91" y="474"/>
+                </a:lnTo>
+                <a:lnTo>
+                  <a:pt x="95" y="471"/>
+                </a:lnTo>
+                <a:lnTo>
+                  <a:pt x="101" y="470"/>
+                </a:lnTo>
+                <a:close/>
+                <a:moveTo>
+                  <a:pt x="101" y="369"/>
+                </a:moveTo>
+                <a:lnTo>
+                  <a:pt x="504" y="369"/>
+                </a:lnTo>
+                <a:lnTo>
+                  <a:pt x="509" y="370"/>
+                </a:lnTo>
+                <a:lnTo>
+                  <a:pt x="514" y="373"/>
+                </a:lnTo>
+                <a:lnTo>
+                  <a:pt x="517" y="376"/>
+                </a:lnTo>
+                <a:lnTo>
+                  <a:pt x="520" y="381"/>
+                </a:lnTo>
+                <a:lnTo>
+                  <a:pt x="521" y="386"/>
+                </a:lnTo>
+                <a:lnTo>
+                  <a:pt x="520" y="391"/>
+                </a:lnTo>
+                <a:lnTo>
+                  <a:pt x="517" y="397"/>
+                </a:lnTo>
+                <a:lnTo>
+                  <a:pt x="514" y="399"/>
+                </a:lnTo>
+                <a:lnTo>
+                  <a:pt x="509" y="402"/>
+                </a:lnTo>
+                <a:lnTo>
+                  <a:pt x="504" y="403"/>
+                </a:lnTo>
+                <a:lnTo>
+                  <a:pt x="101" y="403"/>
+                </a:lnTo>
+                <a:lnTo>
+                  <a:pt x="95" y="402"/>
+                </a:lnTo>
+                <a:lnTo>
+                  <a:pt x="91" y="399"/>
+                </a:lnTo>
+                <a:lnTo>
+                  <a:pt x="87" y="397"/>
+                </a:lnTo>
+                <a:lnTo>
+                  <a:pt x="85" y="391"/>
+                </a:lnTo>
+                <a:lnTo>
+                  <a:pt x="83" y="386"/>
+                </a:lnTo>
+                <a:lnTo>
+                  <a:pt x="85" y="381"/>
+                </a:lnTo>
+                <a:lnTo>
+                  <a:pt x="87" y="376"/>
+                </a:lnTo>
+                <a:lnTo>
+                  <a:pt x="91" y="373"/>
+                </a:lnTo>
+                <a:lnTo>
+                  <a:pt x="95" y="370"/>
+                </a:lnTo>
+                <a:lnTo>
+                  <a:pt x="101" y="369"/>
+                </a:lnTo>
+                <a:close/>
+                <a:moveTo>
+                  <a:pt x="101" y="268"/>
+                </a:moveTo>
+                <a:lnTo>
+                  <a:pt x="302" y="268"/>
+                </a:lnTo>
+                <a:lnTo>
+                  <a:pt x="307" y="270"/>
+                </a:lnTo>
+                <a:lnTo>
+                  <a:pt x="313" y="272"/>
+                </a:lnTo>
+                <a:lnTo>
+                  <a:pt x="315" y="275"/>
+                </a:lnTo>
+                <a:lnTo>
+                  <a:pt x="318" y="280"/>
+                </a:lnTo>
+                <a:lnTo>
+                  <a:pt x="319" y="285"/>
+                </a:lnTo>
+                <a:lnTo>
+                  <a:pt x="318" y="291"/>
+                </a:lnTo>
+                <a:lnTo>
+                  <a:pt x="315" y="296"/>
+                </a:lnTo>
+                <a:lnTo>
+                  <a:pt x="313" y="298"/>
+                </a:lnTo>
+                <a:lnTo>
+                  <a:pt x="307" y="301"/>
+                </a:lnTo>
+                <a:lnTo>
+                  <a:pt x="302" y="302"/>
+                </a:lnTo>
+                <a:lnTo>
+                  <a:pt x="101" y="302"/>
+                </a:lnTo>
+                <a:lnTo>
+                  <a:pt x="95" y="301"/>
+                </a:lnTo>
+                <a:lnTo>
+                  <a:pt x="91" y="298"/>
+                </a:lnTo>
+                <a:lnTo>
+                  <a:pt x="87" y="296"/>
+                </a:lnTo>
+                <a:lnTo>
+                  <a:pt x="85" y="291"/>
+                </a:lnTo>
+                <a:lnTo>
+                  <a:pt x="83" y="285"/>
+                </a:lnTo>
+                <a:lnTo>
+                  <a:pt x="85" y="280"/>
+                </a:lnTo>
+                <a:lnTo>
+                  <a:pt x="87" y="275"/>
+                </a:lnTo>
+                <a:lnTo>
+                  <a:pt x="91" y="272"/>
+                </a:lnTo>
+                <a:lnTo>
+                  <a:pt x="95" y="270"/>
+                </a:lnTo>
+                <a:lnTo>
+                  <a:pt x="101" y="268"/>
+                </a:lnTo>
+                <a:close/>
+                <a:moveTo>
+                  <a:pt x="34" y="101"/>
+                </a:moveTo>
+                <a:lnTo>
+                  <a:pt x="34" y="554"/>
+                </a:lnTo>
+                <a:lnTo>
+                  <a:pt x="184" y="706"/>
+                </a:lnTo>
+                <a:lnTo>
+                  <a:pt x="571" y="706"/>
+                </a:lnTo>
+                <a:lnTo>
+                  <a:pt x="571" y="101"/>
+                </a:lnTo>
+                <a:lnTo>
+                  <a:pt x="487" y="101"/>
+                </a:lnTo>
+                <a:lnTo>
+                  <a:pt x="487" y="150"/>
+                </a:lnTo>
+                <a:lnTo>
+                  <a:pt x="487" y="156"/>
+                </a:lnTo>
+                <a:lnTo>
+                  <a:pt x="484" y="161"/>
+                </a:lnTo>
+                <a:lnTo>
+                  <a:pt x="480" y="165"/>
+                </a:lnTo>
+                <a:lnTo>
+                  <a:pt x="475" y="167"/>
+                </a:lnTo>
+                <a:lnTo>
+                  <a:pt x="470" y="167"/>
+                </a:lnTo>
+                <a:lnTo>
+                  <a:pt x="465" y="167"/>
+                </a:lnTo>
+                <a:lnTo>
+                  <a:pt x="461" y="165"/>
+                </a:lnTo>
+                <a:lnTo>
+                  <a:pt x="457" y="161"/>
+                </a:lnTo>
+                <a:lnTo>
+                  <a:pt x="454" y="156"/>
+                </a:lnTo>
+                <a:lnTo>
+                  <a:pt x="454" y="150"/>
+                </a:lnTo>
+                <a:lnTo>
+                  <a:pt x="454" y="101"/>
+                </a:lnTo>
+                <a:lnTo>
+                  <a:pt x="420" y="101"/>
+                </a:lnTo>
+                <a:lnTo>
+                  <a:pt x="420" y="150"/>
+                </a:lnTo>
+                <a:lnTo>
+                  <a:pt x="419" y="156"/>
+                </a:lnTo>
+                <a:lnTo>
+                  <a:pt x="416" y="161"/>
+                </a:lnTo>
+                <a:lnTo>
+                  <a:pt x="413" y="165"/>
+                </a:lnTo>
+                <a:lnTo>
+                  <a:pt x="408" y="167"/>
+                </a:lnTo>
+                <a:lnTo>
+                  <a:pt x="403" y="167"/>
+                </a:lnTo>
+                <a:lnTo>
+                  <a:pt x="398" y="167"/>
+                </a:lnTo>
+                <a:lnTo>
+                  <a:pt x="394" y="165"/>
+                </a:lnTo>
+                <a:lnTo>
+                  <a:pt x="390" y="161"/>
+                </a:lnTo>
+                <a:lnTo>
+                  <a:pt x="387" y="156"/>
+                </a:lnTo>
+                <a:lnTo>
+                  <a:pt x="386" y="150"/>
+                </a:lnTo>
+                <a:lnTo>
+                  <a:pt x="386" y="101"/>
+                </a:lnTo>
+                <a:lnTo>
+                  <a:pt x="353" y="101"/>
+                </a:lnTo>
+                <a:lnTo>
+                  <a:pt x="353" y="150"/>
+                </a:lnTo>
+                <a:lnTo>
+                  <a:pt x="352" y="156"/>
+                </a:lnTo>
+                <a:lnTo>
+                  <a:pt x="349" y="161"/>
+                </a:lnTo>
+                <a:lnTo>
+                  <a:pt x="345" y="165"/>
+                </a:lnTo>
+                <a:lnTo>
+                  <a:pt x="341" y="167"/>
+                </a:lnTo>
+                <a:lnTo>
+                  <a:pt x="336" y="167"/>
+                </a:lnTo>
+                <a:lnTo>
+                  <a:pt x="331" y="167"/>
+                </a:lnTo>
+                <a:lnTo>
+                  <a:pt x="326" y="165"/>
+                </a:lnTo>
+                <a:lnTo>
+                  <a:pt x="322" y="161"/>
+                </a:lnTo>
+                <a:lnTo>
+                  <a:pt x="320" y="156"/>
+                </a:lnTo>
+                <a:lnTo>
+                  <a:pt x="319" y="150"/>
+                </a:lnTo>
+                <a:lnTo>
+                  <a:pt x="319" y="101"/>
+                </a:lnTo>
+                <a:lnTo>
+                  <a:pt x="285" y="101"/>
+                </a:lnTo>
+                <a:lnTo>
+                  <a:pt x="285" y="150"/>
+                </a:lnTo>
+                <a:lnTo>
+                  <a:pt x="285" y="156"/>
+                </a:lnTo>
+                <a:lnTo>
+                  <a:pt x="283" y="161"/>
+                </a:lnTo>
+                <a:lnTo>
+                  <a:pt x="279" y="165"/>
+                </a:lnTo>
+                <a:lnTo>
+                  <a:pt x="275" y="167"/>
+                </a:lnTo>
+                <a:lnTo>
+                  <a:pt x="268" y="167"/>
+                </a:lnTo>
+                <a:lnTo>
+                  <a:pt x="263" y="167"/>
+                </a:lnTo>
+                <a:lnTo>
+                  <a:pt x="259" y="165"/>
+                </a:lnTo>
+                <a:lnTo>
+                  <a:pt x="255" y="161"/>
+                </a:lnTo>
+                <a:lnTo>
+                  <a:pt x="252" y="156"/>
+                </a:lnTo>
+                <a:lnTo>
+                  <a:pt x="252" y="150"/>
+                </a:lnTo>
+                <a:lnTo>
+                  <a:pt x="252" y="101"/>
+                </a:lnTo>
+                <a:lnTo>
+                  <a:pt x="218" y="101"/>
+                </a:lnTo>
+                <a:lnTo>
+                  <a:pt x="218" y="150"/>
+                </a:lnTo>
+                <a:lnTo>
+                  <a:pt x="217" y="156"/>
+                </a:lnTo>
+                <a:lnTo>
+                  <a:pt x="214" y="161"/>
+                </a:lnTo>
+                <a:lnTo>
+                  <a:pt x="212" y="165"/>
+                </a:lnTo>
+                <a:lnTo>
+                  <a:pt x="207" y="167"/>
+                </a:lnTo>
+                <a:lnTo>
+                  <a:pt x="201" y="167"/>
+                </a:lnTo>
+                <a:lnTo>
+                  <a:pt x="196" y="167"/>
+                </a:lnTo>
+                <a:lnTo>
+                  <a:pt x="192" y="165"/>
+                </a:lnTo>
+                <a:lnTo>
+                  <a:pt x="188" y="161"/>
+                </a:lnTo>
+                <a:lnTo>
+                  <a:pt x="186" y="156"/>
+                </a:lnTo>
+                <a:lnTo>
+                  <a:pt x="184" y="150"/>
+                </a:lnTo>
+                <a:lnTo>
+                  <a:pt x="184" y="101"/>
+                </a:lnTo>
+                <a:lnTo>
+                  <a:pt x="152" y="101"/>
+                </a:lnTo>
+                <a:lnTo>
+                  <a:pt x="152" y="150"/>
+                </a:lnTo>
+                <a:lnTo>
+                  <a:pt x="150" y="156"/>
+                </a:lnTo>
+                <a:lnTo>
+                  <a:pt x="148" y="161"/>
+                </a:lnTo>
+                <a:lnTo>
+                  <a:pt x="144" y="165"/>
+                </a:lnTo>
+                <a:lnTo>
+                  <a:pt x="140" y="167"/>
+                </a:lnTo>
+                <a:lnTo>
+                  <a:pt x="135" y="167"/>
+                </a:lnTo>
+                <a:lnTo>
+                  <a:pt x="129" y="167"/>
+                </a:lnTo>
+                <a:lnTo>
+                  <a:pt x="124" y="165"/>
+                </a:lnTo>
+                <a:lnTo>
+                  <a:pt x="120" y="161"/>
+                </a:lnTo>
+                <a:lnTo>
+                  <a:pt x="119" y="156"/>
+                </a:lnTo>
+                <a:lnTo>
+                  <a:pt x="118" y="150"/>
+                </a:lnTo>
+                <a:lnTo>
+                  <a:pt x="118" y="101"/>
+                </a:lnTo>
+                <a:lnTo>
+                  <a:pt x="34" y="101"/>
+                </a:lnTo>
+                <a:close/>
+                <a:moveTo>
+                  <a:pt x="135" y="0"/>
+                </a:moveTo>
+                <a:lnTo>
+                  <a:pt x="140" y="1"/>
+                </a:lnTo>
+                <a:lnTo>
+                  <a:pt x="144" y="3"/>
+                </a:lnTo>
+                <a:lnTo>
+                  <a:pt x="148" y="6"/>
+                </a:lnTo>
+                <a:lnTo>
+                  <a:pt x="150" y="12"/>
+                </a:lnTo>
+                <a:lnTo>
+                  <a:pt x="152" y="17"/>
+                </a:lnTo>
+                <a:lnTo>
+                  <a:pt x="152" y="67"/>
+                </a:lnTo>
+                <a:lnTo>
+                  <a:pt x="184" y="67"/>
+                </a:lnTo>
+                <a:lnTo>
+                  <a:pt x="184" y="17"/>
+                </a:lnTo>
+                <a:lnTo>
+                  <a:pt x="186" y="12"/>
+                </a:lnTo>
+                <a:lnTo>
+                  <a:pt x="188" y="6"/>
+                </a:lnTo>
+                <a:lnTo>
+                  <a:pt x="192" y="3"/>
+                </a:lnTo>
+                <a:lnTo>
+                  <a:pt x="196" y="1"/>
+                </a:lnTo>
+                <a:lnTo>
+                  <a:pt x="201" y="0"/>
+                </a:lnTo>
+                <a:lnTo>
+                  <a:pt x="207" y="1"/>
+                </a:lnTo>
+                <a:lnTo>
+                  <a:pt x="212" y="3"/>
+                </a:lnTo>
+                <a:lnTo>
+                  <a:pt x="214" y="6"/>
+                </a:lnTo>
+                <a:lnTo>
+                  <a:pt x="217" y="12"/>
+                </a:lnTo>
+                <a:lnTo>
+                  <a:pt x="218" y="17"/>
+                </a:lnTo>
+                <a:lnTo>
+                  <a:pt x="218" y="67"/>
+                </a:lnTo>
+                <a:lnTo>
+                  <a:pt x="252" y="67"/>
+                </a:lnTo>
+                <a:lnTo>
+                  <a:pt x="252" y="17"/>
+                </a:lnTo>
+                <a:lnTo>
+                  <a:pt x="252" y="12"/>
+                </a:lnTo>
+                <a:lnTo>
+                  <a:pt x="255" y="6"/>
+                </a:lnTo>
+                <a:lnTo>
+                  <a:pt x="259" y="3"/>
+                </a:lnTo>
+                <a:lnTo>
+                  <a:pt x="263" y="1"/>
+                </a:lnTo>
+                <a:lnTo>
+                  <a:pt x="268" y="0"/>
+                </a:lnTo>
+                <a:lnTo>
+                  <a:pt x="275" y="1"/>
+                </a:lnTo>
+                <a:lnTo>
+                  <a:pt x="279" y="3"/>
+                </a:lnTo>
+                <a:lnTo>
+                  <a:pt x="283" y="6"/>
+                </a:lnTo>
+                <a:lnTo>
+                  <a:pt x="285" y="12"/>
+                </a:lnTo>
+                <a:lnTo>
+                  <a:pt x="285" y="17"/>
+                </a:lnTo>
+                <a:lnTo>
+                  <a:pt x="285" y="67"/>
+                </a:lnTo>
+                <a:lnTo>
+                  <a:pt x="319" y="67"/>
+                </a:lnTo>
+                <a:lnTo>
+                  <a:pt x="319" y="17"/>
+                </a:lnTo>
+                <a:lnTo>
+                  <a:pt x="320" y="12"/>
+                </a:lnTo>
+                <a:lnTo>
+                  <a:pt x="322" y="6"/>
+                </a:lnTo>
+                <a:lnTo>
+                  <a:pt x="326" y="3"/>
+                </a:lnTo>
+                <a:lnTo>
+                  <a:pt x="331" y="1"/>
+                </a:lnTo>
+                <a:lnTo>
+                  <a:pt x="336" y="0"/>
+                </a:lnTo>
+                <a:lnTo>
+                  <a:pt x="341" y="1"/>
+                </a:lnTo>
+                <a:lnTo>
+                  <a:pt x="345" y="3"/>
+                </a:lnTo>
+                <a:lnTo>
+                  <a:pt x="349" y="6"/>
+                </a:lnTo>
+                <a:lnTo>
+                  <a:pt x="352" y="12"/>
+                </a:lnTo>
+                <a:lnTo>
+                  <a:pt x="353" y="17"/>
+                </a:lnTo>
+                <a:lnTo>
+                  <a:pt x="353" y="67"/>
+                </a:lnTo>
+                <a:lnTo>
+                  <a:pt x="386" y="67"/>
+                </a:lnTo>
+                <a:lnTo>
+                  <a:pt x="386" y="17"/>
+                </a:lnTo>
+                <a:lnTo>
+                  <a:pt x="387" y="12"/>
+                </a:lnTo>
+                <a:lnTo>
+                  <a:pt x="390" y="6"/>
+                </a:lnTo>
+                <a:lnTo>
+                  <a:pt x="394" y="3"/>
+                </a:lnTo>
+                <a:lnTo>
+                  <a:pt x="398" y="1"/>
+                </a:lnTo>
+                <a:lnTo>
+                  <a:pt x="403" y="0"/>
+                </a:lnTo>
+                <a:lnTo>
+                  <a:pt x="408" y="1"/>
+                </a:lnTo>
+                <a:lnTo>
+                  <a:pt x="413" y="3"/>
+                </a:lnTo>
+                <a:lnTo>
+                  <a:pt x="416" y="6"/>
+                </a:lnTo>
+                <a:lnTo>
+                  <a:pt x="419" y="12"/>
+                </a:lnTo>
+                <a:lnTo>
+                  <a:pt x="420" y="17"/>
+                </a:lnTo>
+                <a:lnTo>
+                  <a:pt x="420" y="67"/>
+                </a:lnTo>
+                <a:lnTo>
+                  <a:pt x="454" y="67"/>
+                </a:lnTo>
+                <a:lnTo>
+                  <a:pt x="454" y="17"/>
+                </a:lnTo>
+                <a:lnTo>
+                  <a:pt x="454" y="12"/>
+                </a:lnTo>
+                <a:lnTo>
+                  <a:pt x="457" y="6"/>
+                </a:lnTo>
+                <a:lnTo>
+                  <a:pt x="461" y="3"/>
+                </a:lnTo>
+                <a:lnTo>
+                  <a:pt x="465" y="1"/>
+                </a:lnTo>
+                <a:lnTo>
+                  <a:pt x="470" y="0"/>
+                </a:lnTo>
+                <a:lnTo>
+                  <a:pt x="475" y="1"/>
+                </a:lnTo>
+                <a:lnTo>
+                  <a:pt x="480" y="3"/>
+                </a:lnTo>
+                <a:lnTo>
+                  <a:pt x="484" y="6"/>
+                </a:lnTo>
+                <a:lnTo>
+                  <a:pt x="487" y="12"/>
+                </a:lnTo>
+                <a:lnTo>
+                  <a:pt x="487" y="17"/>
+                </a:lnTo>
+                <a:lnTo>
+                  <a:pt x="487" y="67"/>
+                </a:lnTo>
+                <a:lnTo>
+                  <a:pt x="571" y="67"/>
+                </a:lnTo>
+                <a:lnTo>
+                  <a:pt x="584" y="69"/>
+                </a:lnTo>
+                <a:lnTo>
+                  <a:pt x="595" y="77"/>
+                </a:lnTo>
+                <a:lnTo>
+                  <a:pt x="602" y="88"/>
+                </a:lnTo>
+                <a:lnTo>
+                  <a:pt x="605" y="101"/>
+                </a:lnTo>
+                <a:lnTo>
+                  <a:pt x="605" y="706"/>
+                </a:lnTo>
+                <a:lnTo>
+                  <a:pt x="602" y="719"/>
+                </a:lnTo>
+                <a:lnTo>
+                  <a:pt x="595" y="729"/>
+                </a:lnTo>
+                <a:lnTo>
+                  <a:pt x="584" y="736"/>
+                </a:lnTo>
+                <a:lnTo>
+                  <a:pt x="571" y="738"/>
+                </a:lnTo>
+                <a:lnTo>
+                  <a:pt x="34" y="738"/>
+                </a:lnTo>
+                <a:lnTo>
+                  <a:pt x="21" y="736"/>
+                </a:lnTo>
+                <a:lnTo>
+                  <a:pt x="10" y="729"/>
+                </a:lnTo>
+                <a:lnTo>
+                  <a:pt x="2" y="719"/>
+                </a:lnTo>
+                <a:lnTo>
+                  <a:pt x="0" y="706"/>
+                </a:lnTo>
+                <a:lnTo>
+                  <a:pt x="0" y="101"/>
+                </a:lnTo>
+                <a:lnTo>
+                  <a:pt x="2" y="88"/>
+                </a:lnTo>
+                <a:lnTo>
+                  <a:pt x="10" y="77"/>
+                </a:lnTo>
+                <a:lnTo>
+                  <a:pt x="21" y="69"/>
+                </a:lnTo>
+                <a:lnTo>
+                  <a:pt x="34" y="67"/>
+                </a:lnTo>
+                <a:lnTo>
+                  <a:pt x="118" y="67"/>
+                </a:lnTo>
+                <a:lnTo>
+                  <a:pt x="118" y="17"/>
+                </a:lnTo>
+                <a:lnTo>
+                  <a:pt x="119" y="12"/>
+                </a:lnTo>
+                <a:lnTo>
+                  <a:pt x="120" y="6"/>
+                </a:lnTo>
+                <a:lnTo>
+                  <a:pt x="124" y="3"/>
+                </a:lnTo>
+                <a:lnTo>
+                  <a:pt x="129" y="1"/>
+                </a:lnTo>
+                <a:lnTo>
+                  <a:pt x="135" y="0"/>
+                </a:lnTo>
+                <a:close/>
+              </a:path>
+            </a:pathLst>
+          </a:custGeom>
+          <a:solidFill>
+            <a:srgbClr val="CA8A8B"/>
+          </a:solidFill>
+          <a:ln>
+            <a:noFill/>
+          </a:ln>
+        </p:spPr>
+        <p:txBody>
+          <a:bodyPr anchorCtr="0" anchor="t" bIns="68575" lIns="137150" spcFirstLastPara="1" rIns="137150" wrap="square" tIns="68575">
+            <a:noAutofit/>
+          </a:bodyPr>
+          <a:lstStyle/>
+          <a:p>
+            <a:pPr indent="0" lvl="0" marL="0" marR="0" rtl="0" algn="l">
+              <a:spcBef>
+                <a:spcPts val="0"/>
+              </a:spcBef>
+              <a:spcAft>
+                <a:spcPts val="0"/>
+              </a:spcAft>
+              <a:buNone/>
+            </a:pPr>
+            <a:r>
+              <a:t/>
+            </a:r>
+            <a:endParaRPr sz="3600">
+              <a:solidFill>
+                <a:schemeClr val="lt1"/>
+              </a:solidFill>
+              <a:latin typeface="Outfit Light"/>
+              <a:ea typeface="Outfit Light"/>
+              <a:cs typeface="Outfit Light"/>
+              <a:sym typeface="Outfit Light"/>
+            </a:endParaRPr>
           </a:p>
         </p:txBody>
       </p:sp>
@@ -21998,6 +23463,9 @@
             </a:pPr>
             <a:r>
               <a:rPr lang="iw" sz="4500">
+                <a:solidFill>
+                  <a:srgbClr val="CA8A8B"/>
+                </a:solidFill>
                 <a:latin typeface="Bodoni Moda ExtraBold"/>
                 <a:ea typeface="Bodoni Moda ExtraBold"/>
                 <a:cs typeface="Bodoni Moda ExtraBold"/>
@@ -22005,7 +23473,11 @@
               </a:rPr>
               <a:t>Main Requirements</a:t>
             </a:r>
-            <a:endParaRPr sz="4500"/>
+            <a:endParaRPr sz="4500">
+              <a:solidFill>
+                <a:srgbClr val="CA8A8B"/>
+              </a:solidFill>
+            </a:endParaRPr>
           </a:p>
         </p:txBody>
       </p:sp>
@@ -22168,7 +23640,7 @@
         <p:spPr>
           <a:xfrm>
             <a:off x="513075" y="2904075"/>
-            <a:ext cx="2909100" cy="754200"/>
+            <a:ext cx="2909100" cy="384900"/>
           </a:xfrm>
           <a:prstGeom prst="rect">
             <a:avLst/>
@@ -22197,14 +23669,14 @@
               <a:buNone/>
             </a:pPr>
             <a:r>
-              <a:rPr b="1" lang="iw" sz="2000">
+              <a:rPr b="1" lang="iw" sz="1900">
                 <a:solidFill>
                   <a:schemeClr val="dk1"/>
                 </a:solidFill>
               </a:rPr>
-              <a:t>Performance:System responsiveness</a:t>
+              <a:t>Visualization Tool</a:t>
             </a:r>
-            <a:endParaRPr sz="2000"/>
+            <a:endParaRPr b="1" sz="2000"/>
           </a:p>
         </p:txBody>
       </p:sp>
@@ -22251,9 +23723,9 @@
                   <a:schemeClr val="dk1"/>
                 </a:solidFill>
               </a:rPr>
-              <a:t>Order Processing Time</a:t>
+              <a:t>Customer Profiles</a:t>
             </a:r>
-            <a:endParaRPr sz="2000">
+            <a:endParaRPr sz="2900">
               <a:solidFill>
                 <a:schemeClr val="dk2"/>
               </a:solidFill>
@@ -22304,9 +23776,9 @@
                   <a:schemeClr val="dk1"/>
                 </a:solidFill>
               </a:rPr>
-              <a:t>Functionality: All planned features</a:t>
+              <a:t>Responsive Design</a:t>
             </a:r>
-            <a:endParaRPr sz="2000">
+            <a:endParaRPr sz="2900">
               <a:solidFill>
                 <a:schemeClr val="dk2"/>
               </a:solidFill>
@@ -23170,9 +24642,9 @@
 </file>
 
 <file path=ppt/theme/theme1.xml><?xml version="1.0" encoding="utf-8"?>
-<a:theme xmlns:a="http://schemas.openxmlformats.org/drawingml/2006/main" xmlns:r="http://schemas.openxmlformats.org/officeDocument/2006/relationships" name="Simple Light">
+<a:theme xmlns:a="http://schemas.openxmlformats.org/drawingml/2006/main" xmlns:r="http://schemas.openxmlformats.org/officeDocument/2006/relationships">
   <a:themeElements>
-    <a:clrScheme name="Simple Light">
+    <a:clrScheme name="Default">
       <a:dk1>
         <a:srgbClr val="000000"/>
       </a:dk1>
@@ -23180,34 +24652,34 @@
         <a:srgbClr val="FFFFFF"/>
       </a:lt1>
       <a:dk2>
-        <a:srgbClr val="595959"/>
+        <a:srgbClr val="158158"/>
       </a:dk2>
       <a:lt2>
-        <a:srgbClr val="EEEEEE"/>
+        <a:srgbClr val="F3F3F3"/>
       </a:lt2>
       <a:accent1>
-        <a:srgbClr val="4285F4"/>
+        <a:srgbClr val="058DC7"/>
       </a:accent1>
       <a:accent2>
-        <a:srgbClr val="212121"/>
+        <a:srgbClr val="50B432"/>
       </a:accent2>
       <a:accent3>
-        <a:srgbClr val="78909C"/>
+        <a:srgbClr val="ED561B"/>
       </a:accent3>
       <a:accent4>
-        <a:srgbClr val="FFAB40"/>
+        <a:srgbClr val="EDEF00"/>
       </a:accent4>
       <a:accent5>
-        <a:srgbClr val="0097A7"/>
+        <a:srgbClr val="24CBE5"/>
       </a:accent5>
       <a:accent6>
-        <a:srgbClr val="EEFF41"/>
+        <a:srgbClr val="64E572"/>
       </a:accent6>
       <a:hlink>
-        <a:srgbClr val="0097A7"/>
+        <a:srgbClr val="2200CC"/>
       </a:hlink>
       <a:folHlink>
-        <a:srgbClr val="0097A7"/>
+        <a:srgbClr val="551A8B"/>
       </a:folHlink>
     </a:clrScheme>
     <a:fontScheme name="Office">
@@ -23449,9 +24921,9 @@
 </file>
 
 <file path=ppt/theme/theme2.xml><?xml version="1.0" encoding="utf-8"?>
-<a:theme xmlns:a="http://schemas.openxmlformats.org/drawingml/2006/main" xmlns:r="http://schemas.openxmlformats.org/officeDocument/2006/relationships">
+<a:theme xmlns:a="http://schemas.openxmlformats.org/drawingml/2006/main" xmlns:r="http://schemas.openxmlformats.org/officeDocument/2006/relationships" name="Simple Light">
   <a:themeElements>
-    <a:clrScheme name="Default">
+    <a:clrScheme name="Simple Light">
       <a:dk1>
         <a:srgbClr val="000000"/>
       </a:dk1>
@@ -23459,34 +24931,34 @@
         <a:srgbClr val="FFFFFF"/>
       </a:lt1>
       <a:dk2>
-        <a:srgbClr val="158158"/>
+        <a:srgbClr val="595959"/>
       </a:dk2>
       <a:lt2>
-        <a:srgbClr val="F3F3F3"/>
+        <a:srgbClr val="EEEEEE"/>
       </a:lt2>
       <a:accent1>
-        <a:srgbClr val="058DC7"/>
+        <a:srgbClr val="4285F4"/>
       </a:accent1>
       <a:accent2>
-        <a:srgbClr val="50B432"/>
+        <a:srgbClr val="212121"/>
       </a:accent2>
       <a:accent3>
-        <a:srgbClr val="ED561B"/>
+        <a:srgbClr val="78909C"/>
       </a:accent3>
       <a:accent4>
-        <a:srgbClr val="EDEF00"/>
+        <a:srgbClr val="FFAB40"/>
       </a:accent4>
       <a:accent5>
-        <a:srgbClr val="24CBE5"/>
+        <a:srgbClr val="0097A7"/>
       </a:accent5>
       <a:accent6>
-        <a:srgbClr val="64E572"/>
+        <a:srgbClr val="EEFF41"/>
       </a:accent6>
       <a:hlink>
-        <a:srgbClr val="2200CC"/>
+        <a:srgbClr val="0097A7"/>
       </a:hlink>
       <a:folHlink>
-        <a:srgbClr val="551A8B"/>
+        <a:srgbClr val="0097A7"/>
       </a:folHlink>
     </a:clrScheme>
     <a:fontScheme name="Office">
